--- a/source/Materials/PSY_380_ECO_PSY/WEEK03/Lec6_OFandLocomotion.pptx
+++ b/source/Materials/PSY_380_ECO_PSY/WEEK03/Lec6_OFandLocomotion.pptx
@@ -5,10 +5,10 @@
     <p:sldMasterId id="2147483677" r:id="rId1"/>
   </p:sldMasterIdLst>
   <p:notesMasterIdLst>
-    <p:notesMasterId r:id="rId40"/>
+    <p:notesMasterId r:id="rId39"/>
   </p:notesMasterIdLst>
   <p:handoutMasterIdLst>
-    <p:handoutMasterId r:id="rId41"/>
+    <p:handoutMasterId r:id="rId40"/>
   </p:handoutMasterIdLst>
   <p:sldIdLst>
     <p:sldId id="256" r:id="rId2"/>
@@ -48,7 +48,6 @@
     <p:sldId id="304" r:id="rId36"/>
     <p:sldId id="305" r:id="rId37"/>
     <p:sldId id="306" r:id="rId38"/>
-    <p:sldId id="270" r:id="rId39"/>
   </p:sldIdLst>
   <p:sldSz cx="9144000" cy="6858000" type="screen4x3"/>
   <p:notesSz cx="6858000" cy="9144000"/>
@@ -248,7 +247,7 @@
           <a:p>
             <a:fld id="{F4CFBF3E-866A-A24B-9A51-306050E5A8F1}" type="datetimeFigureOut">
               <a:rPr lang="en-US" smtClean="0"/>
-              <a:t>5/23/19</a:t>
+              <a:t>5/24/19</a:t>
             </a:fld>
             <a:endParaRPr lang="en-US"/>
           </a:p>
@@ -414,7 +413,7 @@
           <a:p>
             <a:fld id="{B1C3ACBD-BB0B-214A-9C80-68E84D9ECAD8}" type="datetimeFigureOut">
               <a:rPr lang="en-US" smtClean="0"/>
-              <a:t>5/23/19</a:t>
+              <a:t>5/24/19</a:t>
             </a:fld>
             <a:endParaRPr lang="en-US"/>
           </a:p>
@@ -1250,7 +1249,7 @@
           <a:p>
             <a:fld id="{C41FA145-EAFE-934D-A84D-59E363F1EDBC}" type="datetime1">
               <a:rPr lang="en-US" smtClean="0"/>
-              <a:t>5/23/19</a:t>
+              <a:t>5/24/19</a:t>
             </a:fld>
             <a:endParaRPr lang="en-US"/>
           </a:p>
@@ -1574,7 +1573,7 @@
           <a:p>
             <a:fld id="{3E84BE4F-8BAB-3142-A444-7F8279D8FE27}" type="datetime1">
               <a:rPr lang="en-US" smtClean="0"/>
-              <a:t>5/23/19</a:t>
+              <a:t>5/24/19</a:t>
             </a:fld>
             <a:endParaRPr lang="en-US"/>
           </a:p>
@@ -1854,7 +1853,7 @@
           <a:p>
             <a:fld id="{A7944EEC-EEC1-1E47-ACCB-7AC4E85E4D76}" type="datetime1">
               <a:rPr lang="en-US" smtClean="0"/>
-              <a:t>5/23/19</a:t>
+              <a:t>5/24/19</a:t>
             </a:fld>
             <a:endParaRPr lang="en-US"/>
           </a:p>
@@ -2151,7 +2150,7 @@
           <a:p>
             <a:fld id="{7384752C-637B-4C40-AFE3-6B44CD0B5C6B}" type="datetime1">
               <a:rPr lang="en-US" smtClean="0"/>
-              <a:t>5/23/19</a:t>
+              <a:t>5/24/19</a:t>
             </a:fld>
             <a:endParaRPr lang="en-US"/>
           </a:p>
@@ -2483,7 +2482,7 @@
           <a:p>
             <a:fld id="{11CDDF38-4C72-724C-A83B-A8539A408AF9}" type="datetime1">
               <a:rPr lang="en-US" smtClean="0"/>
-              <a:t>5/23/19</a:t>
+              <a:t>5/24/19</a:t>
             </a:fld>
             <a:endParaRPr lang="en-US"/>
           </a:p>
@@ -2737,7 +2736,7 @@
           <a:p>
             <a:fld id="{F1300B1D-E0F4-824A-99C9-A301B9458F07}" type="datetime1">
               <a:rPr lang="en-US" smtClean="0"/>
-              <a:t>5/23/19</a:t>
+              <a:t>5/24/19</a:t>
             </a:fld>
             <a:endParaRPr lang="en-US"/>
           </a:p>
@@ -2919,7 +2918,7 @@
           <a:p>
             <a:fld id="{BBC40AD0-9D5B-0140-8D40-45BCD9A0C5DA}" type="datetime1">
               <a:rPr lang="en-US" smtClean="0"/>
-              <a:t>5/23/19</a:t>
+              <a:t>5/24/19</a:t>
             </a:fld>
             <a:endParaRPr lang="en-US"/>
           </a:p>
@@ -3091,7 +3090,7 @@
           <a:p>
             <a:fld id="{1800E940-6DF5-6A44-9B1D-2B4B754826DE}" type="datetime1">
               <a:rPr lang="en-US" smtClean="0"/>
-              <a:t>5/23/19</a:t>
+              <a:t>5/24/19</a:t>
             </a:fld>
             <a:endParaRPr lang="en-US"/>
           </a:p>
@@ -3363,7 +3362,7 @@
           <a:p>
             <a:fld id="{49424FA9-9A72-E84B-A228-B4619CECA687}" type="datetime1">
               <a:rPr lang="en-US" smtClean="0"/>
-              <a:t>5/23/19</a:t>
+              <a:t>5/24/19</a:t>
             </a:fld>
             <a:endParaRPr lang="en-US"/>
           </a:p>
@@ -3673,7 +3672,7 @@
           <a:p>
             <a:fld id="{60DFD42B-A195-1D49-985C-2B6E28E43299}" type="datetime1">
               <a:rPr lang="en-US" smtClean="0"/>
-              <a:t>5/23/19</a:t>
+              <a:t>5/24/19</a:t>
             </a:fld>
             <a:endParaRPr lang="en-US"/>
           </a:p>
@@ -3968,7 +3967,7 @@
           <a:p>
             <a:fld id="{A4DF811E-A666-3E4C-A6FE-633751AA39F5}" type="datetime1">
               <a:rPr lang="en-US" smtClean="0"/>
-              <a:t>5/23/19</a:t>
+              <a:t>5/24/19</a:t>
             </a:fld>
             <a:endParaRPr lang="en-US"/>
           </a:p>
@@ -4401,7 +4400,7 @@
           <a:p>
             <a:fld id="{90B072CD-E2AA-834B-A7A8-9E6EB885A56D}" type="datetime1">
               <a:rPr lang="en-US" smtClean="0"/>
-              <a:t>5/23/19</a:t>
+              <a:t>5/24/19</a:t>
             </a:fld>
             <a:endParaRPr lang="en-US"/>
           </a:p>
@@ -4750,7 +4749,7 @@
           <a:p>
             <a:fld id="{A468EEE6-F93E-8043-8A69-DEDD618CF5A0}" type="datetime1">
               <a:rPr lang="en-US" smtClean="0"/>
-              <a:t>5/23/19</a:t>
+              <a:t>5/24/19</a:t>
             </a:fld>
             <a:endParaRPr lang="en-US"/>
           </a:p>
@@ -4843,7 +4842,7 @@
           <a:p>
             <a:fld id="{A70B1440-14C4-A54D-9E4D-4A07666DC529}" type="datetime1">
               <a:rPr lang="en-US" smtClean="0"/>
-              <a:t>5/23/19</a:t>
+              <a:t>5/24/19</a:t>
             </a:fld>
             <a:endParaRPr lang="en-US"/>
           </a:p>
@@ -5183,7 +5182,7 @@
           <a:p>
             <a:fld id="{6318947B-8893-8E45-81BC-7CC4F1329D41}" type="datetime1">
               <a:rPr lang="en-US" smtClean="0"/>
-              <a:t>5/23/19</a:t>
+              <a:t>5/24/19</a:t>
             </a:fld>
             <a:endParaRPr lang="en-US"/>
           </a:p>
@@ -5398,7 +5397,7 @@
           <a:p>
             <a:fld id="{86A64E3A-03B3-384A-AA1F-28919DEC258C}" type="datetime1">
               <a:rPr lang="en-US" smtClean="0"/>
-              <a:t>5/23/19</a:t>
+              <a:t>5/24/19</a:t>
             </a:fld>
             <a:endParaRPr lang="en-US"/>
           </a:p>
@@ -11680,7 +11679,7 @@
             </a:prstGeom>
             <a:ln>
               <a:solidFill>
-                <a:schemeClr val="tx2"/>
+                <a:schemeClr val="accent1"/>
               </a:solidFill>
               <a:tailEnd type="arrow"/>
             </a:ln>
@@ -11752,7 +11751,7 @@
             </a:prstGeom>
             <a:ln>
               <a:solidFill>
-                <a:schemeClr val="tx2"/>
+                <a:schemeClr val="accent1"/>
               </a:solidFill>
               <a:tailEnd type="arrow"/>
             </a:ln>
@@ -11824,7 +11823,7 @@
             </a:prstGeom>
             <a:ln>
               <a:solidFill>
-                <a:schemeClr val="tx2"/>
+                <a:schemeClr val="accent1"/>
               </a:solidFill>
               <a:tailEnd type="arrow"/>
             </a:ln>
@@ -13376,7 +13375,19 @@
           <a:p>
             <a:r>
               <a:rPr lang="en-US" dirty="0"/>
-              <a:t>Conditions: (1) rot + trans flow by adding a fixation point on ground in flow (same as </a:t>
+              <a:t>Conditions: (1) rot + trans flow by adding a </a:t>
+            </a:r>
+            <a:r>
+              <a:rPr lang="en-US" altLang="zh-CN" dirty="0"/>
+              <a:t>moving</a:t>
+            </a:r>
+            <a:r>
+              <a:rPr lang="zh-CN" altLang="en-US" dirty="0"/>
+              <a:t> </a:t>
+            </a:r>
+            <a:r>
+              <a:rPr lang="en-US" dirty="0"/>
+              <a:t>fixation point on ground in flow (same as </a:t>
             </a:r>
             <a:r>
               <a:rPr lang="en-US" dirty="0" err="1"/>
@@ -13425,7 +13436,7 @@
         </p:blipFill>
         <p:spPr>
           <a:xfrm>
-            <a:off x="1756693" y="4433619"/>
+            <a:off x="2101095" y="4433619"/>
             <a:ext cx="6490072" cy="2424381"/>
           </a:xfrm>
           <a:prstGeom prst="rect">
@@ -13441,7 +13452,7 @@
         </p:nvSpPr>
         <p:spPr>
           <a:xfrm>
-            <a:off x="6889337" y="4064287"/>
+            <a:off x="7182478" y="4305976"/>
             <a:ext cx="1339392" cy="369332"/>
           </a:xfrm>
           <a:prstGeom prst="rect">
@@ -13469,13 +13480,15 @@
       <p:cxnSp>
         <p:nvCxnSpPr>
           <p:cNvPr id="10" name="Straight Arrow Connector 9"/>
-          <p:cNvCxnSpPr/>
+          <p:cNvCxnSpPr>
+            <a:cxnSpLocks/>
+          </p:cNvCxnSpPr>
           <p:nvPr/>
         </p:nvCxnSpPr>
         <p:spPr>
           <a:xfrm flipH="1">
-            <a:off x="6219641" y="4433619"/>
-            <a:ext cx="973303" cy="876818"/>
+            <a:off x="6219642" y="4675308"/>
+            <a:ext cx="962836" cy="635129"/>
           </a:xfrm>
           <a:prstGeom prst="straightConnector1">
             <a:avLst/>
@@ -13806,7 +13819,7 @@
         </p:nvSpPr>
         <p:spPr>
           <a:xfrm>
-            <a:off x="6397684" y="2890512"/>
+            <a:off x="6335385" y="2890512"/>
             <a:ext cx="2757072" cy="369332"/>
           </a:xfrm>
           <a:prstGeom prst="rect">
@@ -14011,7 +14024,7 @@
         </p:nvCxnSpPr>
         <p:spPr>
           <a:xfrm flipH="1">
-            <a:off x="4016188" y="3075178"/>
+            <a:off x="3953889" y="3075178"/>
             <a:ext cx="2381496" cy="1198089"/>
           </a:xfrm>
           <a:prstGeom prst="straightConnector1">
@@ -15724,90 +15737,6 @@
     <p:extLst>
       <p:ext uri="{BB962C8B-B14F-4D97-AF65-F5344CB8AC3E}">
         <p14:creationId xmlns:p14="http://schemas.microsoft.com/office/powerpoint/2010/main" val="471061377"/>
-      </p:ext>
-    </p:extLst>
-  </p:cSld>
-  <p:clrMapOvr>
-    <a:masterClrMapping/>
-  </p:clrMapOvr>
-</p:sld>
-</file>
-
-<file path=ppt/slides/slide38.xml><?xml version="1.0" encoding="utf-8"?>
-<p:sld xmlns:a="http://schemas.openxmlformats.org/drawingml/2006/main" xmlns:r="http://schemas.openxmlformats.org/officeDocument/2006/relationships" xmlns:p="http://schemas.openxmlformats.org/presentationml/2006/main">
-  <p:cSld>
-    <p:spTree>
-      <p:nvGrpSpPr>
-        <p:cNvPr id="1" name=""/>
-        <p:cNvGrpSpPr/>
-        <p:nvPr/>
-      </p:nvGrpSpPr>
-      <p:grpSpPr>
-        <a:xfrm>
-          <a:off x="0" y="0"/>
-          <a:ext cx="0" cy="0"/>
-          <a:chOff x="0" y="0"/>
-          <a:chExt cx="0" cy="0"/>
-        </a:xfrm>
-      </p:grpSpPr>
-      <p:sp>
-        <p:nvSpPr>
-          <p:cNvPr id="2" name="Title 1"/>
-          <p:cNvSpPr>
-            <a:spLocks noGrp="1"/>
-          </p:cNvSpPr>
-          <p:nvPr>
-            <p:ph type="title"/>
-          </p:nvPr>
-        </p:nvSpPr>
-        <p:spPr/>
-        <p:txBody>
-          <a:bodyPr/>
-          <a:lstStyle/>
-          <a:p>
-            <a:r>
-              <a:rPr lang="en-US" dirty="0"/>
-              <a:t>What’s covered </a:t>
-            </a:r>
-          </a:p>
-        </p:txBody>
-      </p:sp>
-      <p:sp>
-        <p:nvSpPr>
-          <p:cNvPr id="3" name="Content Placeholder 2"/>
-          <p:cNvSpPr>
-            <a:spLocks noGrp="1"/>
-          </p:cNvSpPr>
-          <p:nvPr>
-            <p:ph idx="1"/>
-          </p:nvPr>
-        </p:nvSpPr>
-        <p:spPr/>
-        <p:txBody>
-          <a:bodyPr/>
-          <a:lstStyle/>
-          <a:p>
-            <a:r>
-              <a:rPr lang="en-US" dirty="0"/>
-              <a:t>Translational and rotational flow, pursuit eye movement</a:t>
-            </a:r>
-          </a:p>
-          <a:p>
-            <a:r>
-              <a:rPr lang="en-US" dirty="0"/>
-              <a:t>Optic flow and the control of locomotion</a:t>
-            </a:r>
-          </a:p>
-          <a:p>
-            <a:pPr lvl="1"/>
-            <a:endParaRPr lang="en-US" dirty="0"/>
-          </a:p>
-        </p:txBody>
-      </p:sp>
-    </p:spTree>
-    <p:extLst>
-      <p:ext uri="{BB962C8B-B14F-4D97-AF65-F5344CB8AC3E}">
-        <p14:creationId xmlns:p14="http://schemas.microsoft.com/office/powerpoint/2010/main" val="551574344"/>
       </p:ext>
     </p:extLst>
   </p:cSld>
